--- a/phase-2/props/slides/props.pptx
+++ b/phase-2/props/slides/props.pptx
@@ -17,7 +17,6 @@
     <p:sldId id="262" r:id="rId14"/>
     <p:sldId id="263" r:id="rId15"/>
     <p:sldId id="264" r:id="rId16"/>
-    <p:sldId id="265" r:id="rId17"/>
   </p:sldIdLst>
   <p:sldSz cx="24384000" cy="13716000"/>
   <p:notesSz cx="6858000" cy="9144000"/>
@@ -3950,56 +3949,6 @@
 </p:sld>
 </file>
 
-<file path=ppt/slides/slide10.xml><?xml version="1.0" encoding="utf-8"?>
-<p:sld xmlns:a="http://schemas.openxmlformats.org/drawingml/2006/main" xmlns:r="http://schemas.openxmlformats.org/officeDocument/2006/relationships" xmlns:p="http://schemas.openxmlformats.org/presentationml/2006/main" xmlns:m="http://schemas.openxmlformats.org/officeDocument/2006/math" xmlns:a14="http://schemas.microsoft.com/office/drawing/2010/main" showMasterSp="1" showMasterPhAnim="1">
-  <p:cSld>
-    <p:spTree>
-      <p:nvGrpSpPr>
-        <p:cNvPr id="1" name=""/>
-        <p:cNvGrpSpPr/>
-        <p:nvPr/>
-      </p:nvGrpSpPr>
-      <p:grpSpPr>
-        <a:xfrm>
-          <a:off x="0" y="0"/>
-          <a:ext cx="0" cy="0"/>
-          <a:chOff x="0" y="0"/>
-          <a:chExt cx="0" cy="0"/>
-        </a:xfrm>
-      </p:grpSpPr>
-      <p:sp>
-        <p:nvSpPr>
-          <p:cNvPr id="182" name="Thanks!"/>
-          <p:cNvSpPr txBox="1"/>
-          <p:nvPr>
-            <p:ph type="body" sz="half" idx="1"/>
-          </p:nvPr>
-        </p:nvSpPr>
-        <p:spPr>
-          <a:prstGeom prst="rect">
-            <a:avLst/>
-          </a:prstGeom>
-        </p:spPr>
-        <p:txBody>
-          <a:bodyPr/>
-          <a:lstStyle/>
-          <a:p>
-            <a:pPr/>
-            <a:r>
-              <a:t>Thanks!</a:t>
-            </a:r>
-          </a:p>
-        </p:txBody>
-      </p:sp>
-    </p:spTree>
-  </p:cSld>
-  <p:clrMapOvr>
-    <a:masterClrMapping/>
-  </p:clrMapOvr>
-  <p:transition xmlns:p14="http://schemas.microsoft.com/office/powerpoint/2010/main" spd="med" advClick="1"/>
-</p:sld>
-</file>
-
 <file path=ppt/slides/slide2.xml><?xml version="1.0" encoding="utf-8"?>
 <p:sld xmlns:a="http://schemas.openxmlformats.org/drawingml/2006/main" xmlns:r="http://schemas.openxmlformats.org/officeDocument/2006/relationships" xmlns:p="http://schemas.openxmlformats.org/presentationml/2006/main" xmlns:m="http://schemas.openxmlformats.org/officeDocument/2006/math" xmlns:a14="http://schemas.microsoft.com/office/drawing/2010/main" showMasterSp="1" showMasterPhAnim="1">
   <p:cSld>
@@ -4019,10 +3968,10 @@
       </p:grpSpPr>
       <p:sp>
         <p:nvSpPr>
-          <p:cNvPr id="155" name="First, a question."/>
+          <p:cNvPr id="155" name="Today’s Objectives"/>
           <p:cNvSpPr txBox="1"/>
           <p:nvPr>
-            <p:ph type="body" sz="half" idx="1"/>
+            <p:ph type="title"/>
           </p:nvPr>
         </p:nvSpPr>
         <p:spPr>
@@ -4036,7 +3985,90 @@
           <a:p>
             <a:pPr/>
             <a:r>
-              <a:t>First, a question.</a:t>
+              <a:t>Today’s Objectives</a:t>
+            </a:r>
+          </a:p>
+        </p:txBody>
+      </p:sp>
+      <p:sp>
+        <p:nvSpPr>
+          <p:cNvPr id="156" name="Today, we’ll answer the following questions:…"/>
+          <p:cNvSpPr txBox="1"/>
+          <p:nvPr>
+            <p:ph type="body" idx="1"/>
+          </p:nvPr>
+        </p:nvSpPr>
+        <p:spPr>
+          <a:xfrm>
+            <a:off x="1206500" y="2826829"/>
+            <a:ext cx="21971000" cy="9752445"/>
+          </a:xfrm>
+          <a:prstGeom prst="rect">
+            <a:avLst/>
+          </a:prstGeom>
+        </p:spPr>
+        <p:txBody>
+          <a:bodyPr/>
+          <a:lstStyle/>
+          <a:p>
+            <a:pPr/>
+            <a:r>
+              <a:t>Today, we’ll answer the following questions:</a:t>
+            </a:r>
+          </a:p>
+          <a:p>
+            <a:pPr marL="1018645" indent="-1018645">
+              <a:buSzPct val="100000"/>
+              <a:buAutoNum type="arabicPeriod" startAt="1"/>
+            </a:pPr>
+            <a:r>
+              <a:t>What is </a:t>
+            </a:r>
+            <a:r>
+              <a:rPr b="1"/>
+              <a:t>React</a:t>
+            </a:r>
+            <a:r>
+              <a:t>?</a:t>
+            </a:r>
+          </a:p>
+          <a:p>
+            <a:pPr marL="1018645" indent="-1018645">
+              <a:buSzPct val="100000"/>
+              <a:buAutoNum type="arabicPeriod" startAt="1"/>
+            </a:pPr>
+            <a:r>
+              <a:t>What are </a:t>
+            </a:r>
+            <a:r>
+              <a:rPr b="1"/>
+              <a:t>components</a:t>
+            </a:r>
+            <a:r>
+              <a:t>, </a:t>
+            </a:r>
+            <a:r>
+              <a:rPr b="1"/>
+              <a:t>JSX</a:t>
+            </a:r>
+            <a:r>
+              <a:t>, and </a:t>
+            </a:r>
+            <a:r>
+              <a:rPr b="1"/>
+              <a:t>props</a:t>
+            </a:r>
+            <a:r>
+              <a:t>?</a:t>
+            </a:r>
+          </a:p>
+          <a:p>
+            <a:pPr marL="1018645" indent="-1018645">
+              <a:buSzPct val="100000"/>
+              <a:buAutoNum type="arabicPeriod" startAt="1"/>
+            </a:pPr>
+            <a:r>
+              <a:t>What do we (not) like about React?</a:t>
             </a:r>
           </a:p>
         </p:txBody>
@@ -4069,7 +4101,7 @@
       </p:grpSpPr>
       <p:sp>
         <p:nvSpPr>
-          <p:cNvPr id="157" name="Today’s Objectives"/>
+          <p:cNvPr id="158" name="What is React?"/>
           <p:cNvSpPr txBox="1"/>
           <p:nvPr>
             <p:ph type="title"/>
@@ -4086,14 +4118,14 @@
           <a:p>
             <a:pPr/>
             <a:r>
-              <a:t>Today’s Objectives</a:t>
+              <a:t>What is React?</a:t>
             </a:r>
           </a:p>
         </p:txBody>
       </p:sp>
       <p:sp>
         <p:nvSpPr>
-          <p:cNvPr id="158" name="Today, we’ll answer the following questions:…"/>
+          <p:cNvPr id="159" name="React is a JavaScript library for building websites and apps.…"/>
           <p:cNvSpPr txBox="1"/>
           <p:nvPr>
             <p:ph type="body" idx="1"/>
@@ -4101,8 +4133,8 @@
         </p:nvSpPr>
         <p:spPr>
           <a:xfrm>
-            <a:off x="1206499" y="2826829"/>
-            <a:ext cx="21971001" cy="9752445"/>
+            <a:off x="1206500" y="2826829"/>
+            <a:ext cx="21971000" cy="9752445"/>
           </a:xfrm>
           <a:prstGeom prst="rect">
             <a:avLst/>
@@ -4112,64 +4144,85 @@
           <a:bodyPr/>
           <a:lstStyle/>
           <a:p>
-            <a:pPr/>
-            <a:r>
-              <a:t>Today, we’ll answer the following questions:</a:t>
-            </a:r>
-          </a:p>
-          <a:p>
-            <a:pPr marL="1018645" indent="-1018645">
+            <a:pPr marL="698500" indent="-698500">
+              <a:buSzPct val="123000"/>
+              <a:buChar char="•"/>
+            </a:pPr>
+            <a:r>
+              <a:rPr b="1"/>
+              <a:t>React</a:t>
+            </a:r>
+            <a:r>
+              <a:t> is a JavaScript library for building websites and apps.</a:t>
+            </a:r>
+          </a:p>
+          <a:p>
+            <a:pPr marL="698500" indent="-698500">
+              <a:buSzPct val="123000"/>
+              <a:buChar char="•"/>
+            </a:pPr>
+            <a:r>
+              <a:t>Its manifesto, if it had one, might go something like this:</a:t>
+            </a:r>
+          </a:p>
+          <a:p>
+            <a:pPr lvl="1" marL="1907645" indent="-1018645">
               <a:buSzPct val="100000"/>
               <a:buAutoNum type="arabicPeriod" startAt="1"/>
             </a:pPr>
             <a:r>
-              <a:t>What is </a:t>
-            </a:r>
-            <a:r>
-              <a:rPr b="1"/>
-              <a:t>React</a:t>
-            </a:r>
-            <a:r>
-              <a:t>?</a:t>
-            </a:r>
-          </a:p>
-          <a:p>
-            <a:pPr marL="1018645" indent="-1018645">
+              <a:t>Every application can be reduced to </a:t>
+            </a:r>
+            <a:r>
+              <a:rPr u="sng"/>
+              <a:t>a combination of one or more </a:t>
+            </a:r>
+            <a:r>
+              <a:rPr b="1" u="sng"/>
+              <a:t>components</a:t>
+            </a:r>
+            <a:r>
+              <a:t>.</a:t>
+            </a:r>
+          </a:p>
+          <a:p>
+            <a:pPr lvl="1" marL="1907645" indent="-1018645">
               <a:buSzPct val="100000"/>
               <a:buAutoNum type="arabicPeriod" startAt="1"/>
             </a:pPr>
             <a:r>
-              <a:t>What are </a:t>
-            </a:r>
-            <a:r>
               <a:rPr b="1"/>
-              <a:t>components</a:t>
-            </a:r>
-            <a:r>
-              <a:t>, </a:t>
-            </a:r>
-            <a:r>
-              <a:rPr b="1"/>
-              <a:t>JSX</a:t>
-            </a:r>
-            <a:r>
-              <a:t>, and </a:t>
-            </a:r>
-            <a:r>
-              <a:rPr b="1"/>
-              <a:t>props</a:t>
-            </a:r>
-            <a:r>
-              <a:t>?</a:t>
-            </a:r>
-          </a:p>
-          <a:p>
-            <a:pPr marL="1018645" indent="-1018645">
+              <a:t>Components</a:t>
+            </a:r>
+            <a:r>
+              <a:t> should be </a:t>
+            </a:r>
+            <a:r>
+              <a:rPr u="sng"/>
+              <a:t>reusable</a:t>
+            </a:r>
+            <a:r>
+              <a:t>.</a:t>
+            </a:r>
+          </a:p>
+          <a:p>
+            <a:pPr lvl="1" marL="1907645" indent="-1018645">
               <a:buSzPct val="100000"/>
               <a:buAutoNum type="arabicPeriod" startAt="1"/>
             </a:pPr>
             <a:r>
-              <a:t>What do we (not) like about React?</a:t>
+              <a:rPr b="1"/>
+              <a:t>Components</a:t>
+            </a:r>
+            <a:r>
+              <a:t> should </a:t>
+            </a:r>
+            <a:r>
+              <a:rPr u="sng"/>
+              <a:t>only re-render when they need to</a:t>
+            </a:r>
+            <a:r>
+              <a:t>.</a:t>
             </a:r>
           </a:p>
         </p:txBody>
@@ -4202,7 +4255,7 @@
       </p:grpSpPr>
       <p:sp>
         <p:nvSpPr>
-          <p:cNvPr id="160" name="What is React?"/>
+          <p:cNvPr id="161" name="How do we write a component?"/>
           <p:cNvSpPr txBox="1"/>
           <p:nvPr>
             <p:ph type="title"/>
@@ -4219,23 +4272,23 @@
           <a:p>
             <a:pPr/>
             <a:r>
-              <a:t>What is React?</a:t>
+              <a:t>How do we write a component?</a:t>
             </a:r>
           </a:p>
         </p:txBody>
       </p:sp>
       <p:sp>
         <p:nvSpPr>
-          <p:cNvPr id="161" name="React is a JavaScript library for building websites and apps.…"/>
+          <p:cNvPr id="162" name="Components are just like functions: we can call them anywhere, pass them inputs, define things inside of them, and return things from them."/>
           <p:cNvSpPr txBox="1"/>
           <p:nvPr>
-            <p:ph type="body" idx="1"/>
+            <p:ph type="body" sz="quarter" idx="1"/>
           </p:nvPr>
         </p:nvSpPr>
         <p:spPr>
           <a:xfrm>
             <a:off x="1206500" y="2826829"/>
-            <a:ext cx="21971000" cy="9752445"/>
+            <a:ext cx="21971000" cy="2800275"/>
           </a:xfrm>
           <a:prstGeom prst="rect">
             <a:avLst/>
@@ -4250,80 +4303,473 @@
               <a:buChar char="•"/>
             </a:pPr>
             <a:r>
-              <a:rPr b="1"/>
-              <a:t>React</a:t>
-            </a:r>
-            <a:r>
-              <a:t> is a JavaScript library for building websites and apps.</a:t>
-            </a:r>
-          </a:p>
-          <a:p>
-            <a:pPr marL="698500" indent="-698500">
-              <a:buSzPct val="123000"/>
-              <a:buChar char="•"/>
+              <a:rPr b="1">
+                <a:solidFill>
+                  <a:schemeClr val="accent6"/>
+                </a:solidFill>
+              </a:rPr>
+              <a:t>Components</a:t>
+            </a:r>
+            <a:r>
+              <a:t> </a:t>
+            </a:r>
+            <a:r>
+              <a:rPr u="sng"/>
+              <a:t>are just like functions</a:t>
+            </a:r>
+            <a:r>
+              <a:t>: </a:t>
+            </a:r>
+            <a:r>
+              <a:rPr>
+                <a:solidFill>
+                  <a:schemeClr val="accent1"/>
+                </a:solidFill>
+              </a:rPr>
+              <a:t>we can call them anywhere</a:t>
+            </a:r>
+            <a:r>
+              <a:t>, </a:t>
+            </a:r>
+            <a:r>
+              <a:rPr>
+                <a:solidFill>
+                  <a:schemeClr val="accent3"/>
+                </a:solidFill>
+              </a:rPr>
+              <a:t>pass them inputs</a:t>
+            </a:r>
+            <a:r>
+              <a:t>, </a:t>
+            </a:r>
+            <a:r>
+              <a:rPr>
+                <a:solidFill>
+                  <a:schemeClr val="accent4">
+                    <a:hueOff val="-476017"/>
+                    <a:lumOff val="-10042"/>
+                  </a:schemeClr>
+                </a:solidFill>
+              </a:rPr>
+              <a:t>define things inside of them</a:t>
+            </a:r>
+            <a:r>
+              <a:t>, and </a:t>
+            </a:r>
+            <a:r>
+              <a:rPr>
+                <a:solidFill>
+                  <a:schemeClr val="accent5"/>
+                </a:solidFill>
+              </a:rPr>
+              <a:t>return things from them</a:t>
+            </a:r>
+            <a:r>
+              <a:t>.</a:t>
+            </a:r>
+          </a:p>
+        </p:txBody>
+      </p:sp>
+      <p:sp>
+        <p:nvSpPr>
+          <p:cNvPr id="163" name="function Dish({ name }) {…"/>
+          <p:cNvSpPr txBox="1"/>
+          <p:nvPr/>
+        </p:nvSpPr>
+        <p:spPr>
+          <a:xfrm>
+            <a:off x="1814717" y="5939333"/>
+            <a:ext cx="9181366" cy="3149601"/>
+          </a:xfrm>
+          <a:prstGeom prst="rect">
+            <a:avLst/>
+          </a:prstGeom>
+          <a:ln w="12700">
+            <a:miter lim="400000"/>
+          </a:ln>
+          <a:extLst>
+            <a:ext uri="{C572A759-6A51-4108-AA02-DFA0A04FC94B}">
+              <ma14:wrappingTextBoxFlag xmlns:ma14="http://schemas.microsoft.com/office/mac/drawingml/2011/main" val="1"/>
+            </a:ext>
+          </a:extLst>
+        </p:spPr>
+        <p:txBody>
+          <a:bodyPr lIns="50800" tIns="50800" rIns="50800" bIns="50800" anchor="ctr">
+            <a:spAutoFit/>
+          </a:bodyPr>
+          <a:lstStyle/>
+          <a:p>
+            <a:pPr algn="l">
+              <a:defRPr sz="4200">
+                <a:solidFill>
+                  <a:srgbClr val="000000"/>
+                </a:solidFill>
+                <a:latin typeface="Courier New"/>
+                <a:ea typeface="Courier New"/>
+                <a:cs typeface="Courier New"/>
+                <a:sym typeface="Courier New"/>
+              </a:defRPr>
             </a:pPr>
             <a:r>
-              <a:t>Its manifesto, if it had one, might go something like this:</a:t>
-            </a:r>
-          </a:p>
-          <a:p>
-            <a:pPr lvl="1" marL="1907645" indent="-1018645">
-              <a:buSzPct val="100000"/>
-              <a:buAutoNum type="arabicPeriod" startAt="1"/>
+              <a:rPr>
+                <a:solidFill>
+                  <a:schemeClr val="accent6"/>
+                </a:solidFill>
+              </a:rPr>
+              <a:t>function</a:t>
+            </a:r>
+            <a:r>
+              <a:t> </a:t>
+            </a:r>
+            <a:r>
+              <a:rPr>
+                <a:solidFill>
+                  <a:schemeClr val="accent6"/>
+                </a:solidFill>
+              </a:rPr>
+              <a:t>Dish(</a:t>
+            </a:r>
+            <a:r>
+              <a:rPr>
+                <a:solidFill>
+                  <a:schemeClr val="accent3"/>
+                </a:solidFill>
+              </a:rPr>
+              <a:t>{ name }</a:t>
+            </a:r>
+            <a:r>
+              <a:rPr>
+                <a:solidFill>
+                  <a:schemeClr val="accent6"/>
+                </a:solidFill>
+              </a:rPr>
+              <a:t>) {</a:t>
+            </a:r>
+          </a:p>
+          <a:p>
+            <a:pPr lvl="1" algn="l">
+              <a:defRPr sz="4200">
+                <a:solidFill>
+                  <a:schemeClr val="accent5"/>
+                </a:solidFill>
+                <a:latin typeface="Courier New"/>
+                <a:ea typeface="Courier New"/>
+                <a:cs typeface="Courier New"/>
+                <a:sym typeface="Courier New"/>
+              </a:defRPr>
             </a:pPr>
             <a:r>
-              <a:t>Every application can be reduced to </a:t>
-            </a:r>
-            <a:r>
-              <a:rPr u="sng"/>
-              <a:t>a combination of one or more </a:t>
-            </a:r>
-            <a:r>
-              <a:rPr b="1" u="sng"/>
-              <a:t>components</a:t>
-            </a:r>
-            <a:r>
-              <a:t>.</a:t>
-            </a:r>
-          </a:p>
-          <a:p>
-            <a:pPr lvl="1" marL="1907645" indent="-1018645">
-              <a:buSzPct val="100000"/>
-              <a:buAutoNum type="arabicPeriod" startAt="1"/>
+              <a:t>return (</a:t>
+            </a:r>
+          </a:p>
+          <a:p>
+            <a:pPr lvl="2" algn="l">
+              <a:defRPr sz="4200">
+                <a:solidFill>
+                  <a:srgbClr val="000000"/>
+                </a:solidFill>
+                <a:latin typeface="Courier New"/>
+                <a:ea typeface="Courier New"/>
+                <a:cs typeface="Courier New"/>
+                <a:sym typeface="Courier New"/>
+              </a:defRPr>
             </a:pPr>
             <a:r>
-              <a:rPr b="1"/>
-              <a:t>Components</a:t>
-            </a:r>
-            <a:r>
-              <a:t> should be </a:t>
-            </a:r>
-            <a:r>
-              <a:rPr u="sng"/>
-              <a:t>reusable</a:t>
-            </a:r>
-            <a:r>
-              <a:t>.</a:t>
-            </a:r>
-          </a:p>
-          <a:p>
-            <a:pPr lvl="1" marL="1907645" indent="-1018645">
-              <a:buSzPct val="100000"/>
-              <a:buAutoNum type="arabicPeriod" startAt="1"/>
+              <a:rPr>
+                <a:solidFill>
+                  <a:schemeClr val="accent5"/>
+                </a:solidFill>
+              </a:rPr>
+              <a:t>&lt;h1&gt;</a:t>
+            </a:r>
+            <a:r>
+              <a:rPr>
+                <a:solidFill>
+                  <a:schemeClr val="accent3"/>
+                </a:solidFill>
+              </a:rPr>
+              <a:t>{name}</a:t>
+            </a:r>
+            <a:r>
+              <a:rPr>
+                <a:solidFill>
+                  <a:schemeClr val="accent5"/>
+                </a:solidFill>
+              </a:rPr>
+              <a:t>&lt;/h1&gt;</a:t>
+            </a:r>
+          </a:p>
+          <a:p>
+            <a:pPr lvl="1" algn="l">
+              <a:defRPr sz="4200">
+                <a:solidFill>
+                  <a:schemeClr val="accent5"/>
+                </a:solidFill>
+                <a:latin typeface="Courier New"/>
+                <a:ea typeface="Courier New"/>
+                <a:cs typeface="Courier New"/>
+                <a:sym typeface="Courier New"/>
+              </a:defRPr>
             </a:pPr>
             <a:r>
-              <a:rPr b="1"/>
-              <a:t>Components</a:t>
-            </a:r>
-            <a:r>
-              <a:t> should </a:t>
-            </a:r>
-            <a:r>
-              <a:rPr u="sng"/>
-              <a:t>only re-render when they need to</a:t>
-            </a:r>
-            <a:r>
-              <a:t>.</a:t>
+              <a:t>)</a:t>
+            </a:r>
+          </a:p>
+          <a:p>
+            <a:pPr algn="l">
+              <a:defRPr sz="4200">
+                <a:solidFill>
+                  <a:schemeClr val="accent6"/>
+                </a:solidFill>
+                <a:latin typeface="Courier New"/>
+                <a:ea typeface="Courier New"/>
+                <a:cs typeface="Courier New"/>
+                <a:sym typeface="Courier New"/>
+              </a:defRPr>
+            </a:pPr>
+            <a:r>
+              <a:t>}</a:t>
+            </a:r>
+          </a:p>
+        </p:txBody>
+      </p:sp>
+      <p:sp>
+        <p:nvSpPr>
+          <p:cNvPr id="164" name="function Restaurant() {…"/>
+          <p:cNvSpPr txBox="1"/>
+          <p:nvPr/>
+        </p:nvSpPr>
+        <p:spPr>
+          <a:xfrm>
+            <a:off x="7896894" y="8094359"/>
+            <a:ext cx="15065483" cy="4368801"/>
+          </a:xfrm>
+          <a:prstGeom prst="rect">
+            <a:avLst/>
+          </a:prstGeom>
+          <a:ln w="12700">
+            <a:miter lim="400000"/>
+          </a:ln>
+          <a:extLst>
+            <a:ext uri="{C572A759-6A51-4108-AA02-DFA0A04FC94B}">
+              <ma14:wrappingTextBoxFlag xmlns:ma14="http://schemas.microsoft.com/office/mac/drawingml/2011/main" val="1"/>
+            </a:ext>
+          </a:extLst>
+        </p:spPr>
+        <p:txBody>
+          <a:bodyPr lIns="50800" tIns="50800" rIns="50800" bIns="50800" anchor="ctr">
+            <a:spAutoFit/>
+          </a:bodyPr>
+          <a:lstStyle/>
+          <a:p>
+            <a:pPr algn="l">
+              <a:defRPr sz="4200">
+                <a:solidFill>
+                  <a:srgbClr val="000000"/>
+                </a:solidFill>
+                <a:latin typeface="Courier New"/>
+                <a:ea typeface="Courier New"/>
+                <a:cs typeface="Courier New"/>
+                <a:sym typeface="Courier New"/>
+              </a:defRPr>
+            </a:pPr>
+            <a:r>
+              <a:rPr>
+                <a:solidFill>
+                  <a:schemeClr val="accent6"/>
+                </a:solidFill>
+              </a:rPr>
+              <a:t>function Restaurant() {</a:t>
+            </a:r>
+            <a:endParaRPr>
+              <a:solidFill>
+                <a:schemeClr val="accent6"/>
+              </a:solidFill>
+            </a:endParaRPr>
+          </a:p>
+          <a:p>
+            <a:pPr lvl="1" algn="l">
+              <a:defRPr sz="4200">
+                <a:solidFill>
+                  <a:srgbClr val="000000"/>
+                </a:solidFill>
+                <a:latin typeface="Courier New"/>
+                <a:ea typeface="Courier New"/>
+                <a:cs typeface="Courier New"/>
+                <a:sym typeface="Courier New"/>
+              </a:defRPr>
+            </a:pPr>
+            <a:r>
+              <a:rPr>
+                <a:solidFill>
+                  <a:schemeClr val="accent4">
+                    <a:hueOff val="-476017"/>
+                    <a:lumOff val="-10042"/>
+                  </a:schemeClr>
+                </a:solidFill>
+              </a:rPr>
+              <a:t>const dishNames = [“pasta”, “bread”];</a:t>
+            </a:r>
+            <a:r>
+              <a:t> </a:t>
+            </a:r>
+          </a:p>
+          <a:p>
+            <a:pPr lvl="1" algn="l">
+              <a:defRPr sz="4200">
+                <a:solidFill>
+                  <a:schemeClr val="accent5"/>
+                </a:solidFill>
+                <a:latin typeface="Courier New"/>
+                <a:ea typeface="Courier New"/>
+                <a:cs typeface="Courier New"/>
+                <a:sym typeface="Courier New"/>
+              </a:defRPr>
+            </a:pPr>
+            <a:r>
+              <a:t>return (&lt;&gt;</a:t>
+            </a:r>
+          </a:p>
+          <a:p>
+            <a:pPr lvl="2" algn="l">
+              <a:defRPr sz="4200">
+                <a:solidFill>
+                  <a:schemeClr val="accent1">
+                    <a:lumOff val="16847"/>
+                  </a:schemeClr>
+                </a:solidFill>
+                <a:latin typeface="Courier New"/>
+                <a:ea typeface="Courier New"/>
+                <a:cs typeface="Courier New"/>
+                <a:sym typeface="Courier New"/>
+              </a:defRPr>
+            </a:pPr>
+            <a:r>
+              <a:rPr>
+                <a:solidFill>
+                  <a:schemeClr val="accent1"/>
+                </a:solidFill>
+              </a:rPr>
+              <a:t>&lt;Dish </a:t>
+            </a:r>
+            <a:r>
+              <a:rPr>
+                <a:solidFill>
+                  <a:schemeClr val="accent3"/>
+                </a:solidFill>
+              </a:rPr>
+              <a:t>name=“sushi”</a:t>
+            </a:r>
+            <a:r>
+              <a:t> </a:t>
+            </a:r>
+            <a:r>
+              <a:rPr>
+                <a:solidFill>
+                  <a:schemeClr val="accent1"/>
+                </a:solidFill>
+              </a:rPr>
+              <a:t>/&gt;</a:t>
+            </a:r>
+            <a:endParaRPr>
+              <a:solidFill>
+                <a:schemeClr val="accent1"/>
+              </a:solidFill>
+            </a:endParaRPr>
+          </a:p>
+          <a:p>
+            <a:pPr lvl="2" algn="l">
+              <a:defRPr sz="4200">
+                <a:solidFill>
+                  <a:schemeClr val="accent1">
+                    <a:lumOff val="16847"/>
+                  </a:schemeClr>
+                </a:solidFill>
+                <a:latin typeface="Courier New"/>
+                <a:ea typeface="Courier New"/>
+                <a:cs typeface="Courier New"/>
+                <a:sym typeface="Courier New"/>
+              </a:defRPr>
+            </a:pPr>
+            <a:r>
+              <a:rPr>
+                <a:solidFill>
+                  <a:schemeClr val="accent1"/>
+                </a:solidFill>
+              </a:rPr>
+              <a:t>&lt;Dish </a:t>
+            </a:r>
+            <a:r>
+              <a:rPr>
+                <a:solidFill>
+                  <a:schemeClr val="accent3"/>
+                </a:solidFill>
+              </a:rPr>
+              <a:t>name={</a:t>
+            </a:r>
+            <a:r>
+              <a:rPr>
+                <a:solidFill>
+                  <a:schemeClr val="accent4">
+                    <a:hueOff val="-476017"/>
+                    <a:lumOff val="-10042"/>
+                  </a:schemeClr>
+                </a:solidFill>
+              </a:rPr>
+              <a:t>dishNames[0]</a:t>
+            </a:r>
+            <a:r>
+              <a:rPr>
+                <a:solidFill>
+                  <a:schemeClr val="accent3"/>
+                </a:solidFill>
+              </a:rPr>
+              <a:t>}</a:t>
+            </a:r>
+            <a:r>
+              <a:rPr>
+                <a:solidFill>
+                  <a:schemeClr val="accent1"/>
+                </a:solidFill>
+              </a:rPr>
+              <a:t> /&gt;</a:t>
+            </a:r>
+            <a:endParaRPr>
+              <a:solidFill>
+                <a:schemeClr val="accent1"/>
+              </a:solidFill>
+            </a:endParaRPr>
+          </a:p>
+          <a:p>
+            <a:pPr lvl="1" algn="l">
+              <a:defRPr sz="4200">
+                <a:solidFill>
+                  <a:schemeClr val="accent5"/>
+                </a:solidFill>
+                <a:latin typeface="Courier New"/>
+                <a:ea typeface="Courier New"/>
+                <a:cs typeface="Courier New"/>
+                <a:sym typeface="Courier New"/>
+              </a:defRPr>
+            </a:pPr>
+            <a:r>
+              <a:t>&lt;/&gt;)</a:t>
+            </a:r>
+          </a:p>
+          <a:p>
+            <a:pPr algn="l">
+              <a:defRPr sz="4200">
+                <a:solidFill>
+                  <a:schemeClr val="accent6"/>
+                </a:solidFill>
+                <a:latin typeface="Courier New"/>
+                <a:ea typeface="Courier New"/>
+                <a:cs typeface="Courier New"/>
+                <a:sym typeface="Courier New"/>
+              </a:defRPr>
+            </a:pPr>
+            <a:r>
+              <a:t>}</a:t>
             </a:r>
           </a:p>
         </p:txBody>
@@ -4356,7 +4802,7 @@
       </p:grpSpPr>
       <p:sp>
         <p:nvSpPr>
-          <p:cNvPr id="163" name="How do we write a component?"/>
+          <p:cNvPr id="166" name="How do we write a component?"/>
           <p:cNvSpPr txBox="1"/>
           <p:nvPr>
             <p:ph type="title"/>
@@ -4380,7 +4826,7 @@
       </p:sp>
       <p:sp>
         <p:nvSpPr>
-          <p:cNvPr id="164" name="Components are just like functions: we can call them anywhere, pass them inputs, define things inside of them, and return things from them."/>
+          <p:cNvPr id="167" name="Components are just like functions: we can render them in other components, pass them props, define things inside of them, and return JSX from them."/>
           <p:cNvSpPr txBox="1"/>
           <p:nvPr>
             <p:ph type="body" sz="quarter" idx="1"/>
@@ -4427,7 +4873,23 @@
                   <a:schemeClr val="accent1"/>
                 </a:solidFill>
               </a:rPr>
-              <a:t>we can call them anywhere</a:t>
+              <a:t>we can </a:t>
+            </a:r>
+            <a:r>
+              <a:rPr b="1">
+                <a:solidFill>
+                  <a:schemeClr val="accent1"/>
+                </a:solidFill>
+              </a:rPr>
+              <a:t>render</a:t>
+            </a:r>
+            <a:r>
+              <a:rPr>
+                <a:solidFill>
+                  <a:schemeClr val="accent1"/>
+                </a:solidFill>
+              </a:rPr>
+              <a:t> them in other components</a:t>
             </a:r>
             <a:r>
               <a:t>, </a:t>
@@ -4438,7 +4900,15 @@
                   <a:schemeClr val="accent3"/>
                 </a:solidFill>
               </a:rPr>
-              <a:t>pass them inputs</a:t>
+              <a:t>pass them </a:t>
+            </a:r>
+            <a:r>
+              <a:rPr b="1">
+                <a:solidFill>
+                  <a:schemeClr val="accent3"/>
+                </a:solidFill>
+              </a:rPr>
+              <a:t>props</a:t>
             </a:r>
             <a:r>
               <a:t>, </a:t>
@@ -4463,7 +4933,23 @@
                   <a:schemeClr val="accent5"/>
                 </a:solidFill>
               </a:rPr>
-              <a:t>return things from them</a:t>
+              <a:t>return </a:t>
+            </a:r>
+            <a:r>
+              <a:rPr b="1">
+                <a:solidFill>
+                  <a:schemeClr val="accent5"/>
+                </a:solidFill>
+              </a:rPr>
+              <a:t>JSX</a:t>
+            </a:r>
+            <a:r>
+              <a:rPr>
+                <a:solidFill>
+                  <a:schemeClr val="accent5"/>
+                </a:solidFill>
+              </a:rPr>
+              <a:t> from them</a:t>
             </a:r>
             <a:r>
               <a:t>.</a:t>
@@ -4473,7 +4959,248 @@
       </p:sp>
       <p:sp>
         <p:nvSpPr>
-          <p:cNvPr id="165" name="function Dish({ name }) {…"/>
+          <p:cNvPr id="168" name="function Restaurant() {…"/>
+          <p:cNvSpPr txBox="1"/>
+          <p:nvPr/>
+        </p:nvSpPr>
+        <p:spPr>
+          <a:xfrm>
+            <a:off x="7896894" y="8094359"/>
+            <a:ext cx="15065483" cy="4368801"/>
+          </a:xfrm>
+          <a:prstGeom prst="rect">
+            <a:avLst/>
+          </a:prstGeom>
+          <a:ln w="12700">
+            <a:miter lim="400000"/>
+          </a:ln>
+          <a:extLst>
+            <a:ext uri="{C572A759-6A51-4108-AA02-DFA0A04FC94B}">
+              <ma14:wrappingTextBoxFlag xmlns:ma14="http://schemas.microsoft.com/office/mac/drawingml/2011/main" val="1"/>
+            </a:ext>
+          </a:extLst>
+        </p:spPr>
+        <p:txBody>
+          <a:bodyPr lIns="50800" tIns="50800" rIns="50800" bIns="50800" anchor="ctr">
+            <a:spAutoFit/>
+          </a:bodyPr>
+          <a:lstStyle/>
+          <a:p>
+            <a:pPr algn="l">
+              <a:defRPr sz="4200">
+                <a:solidFill>
+                  <a:srgbClr val="000000"/>
+                </a:solidFill>
+                <a:latin typeface="Courier New"/>
+                <a:ea typeface="Courier New"/>
+                <a:cs typeface="Courier New"/>
+                <a:sym typeface="Courier New"/>
+              </a:defRPr>
+            </a:pPr>
+            <a:r>
+              <a:rPr>
+                <a:solidFill>
+                  <a:schemeClr val="accent6"/>
+                </a:solidFill>
+              </a:rPr>
+              <a:t>function Restaurant() {</a:t>
+            </a:r>
+            <a:endParaRPr>
+              <a:solidFill>
+                <a:schemeClr val="accent6"/>
+              </a:solidFill>
+            </a:endParaRPr>
+          </a:p>
+          <a:p>
+            <a:pPr lvl="1" algn="l">
+              <a:defRPr sz="4200">
+                <a:solidFill>
+                  <a:srgbClr val="000000"/>
+                </a:solidFill>
+                <a:latin typeface="Courier New"/>
+                <a:ea typeface="Courier New"/>
+                <a:cs typeface="Courier New"/>
+                <a:sym typeface="Courier New"/>
+              </a:defRPr>
+            </a:pPr>
+            <a:r>
+              <a:rPr>
+                <a:solidFill>
+                  <a:schemeClr val="accent4">
+                    <a:hueOff val="-476017"/>
+                    <a:lumOff val="-10042"/>
+                  </a:schemeClr>
+                </a:solidFill>
+              </a:rPr>
+              <a:t>const dishNames = [“pasta”, “bread”];</a:t>
+            </a:r>
+            <a:r>
+              <a:t> </a:t>
+            </a:r>
+          </a:p>
+          <a:p>
+            <a:pPr lvl="1" algn="l">
+              <a:defRPr sz="4200">
+                <a:solidFill>
+                  <a:schemeClr val="accent5"/>
+                </a:solidFill>
+                <a:latin typeface="Courier New"/>
+                <a:ea typeface="Courier New"/>
+                <a:cs typeface="Courier New"/>
+                <a:sym typeface="Courier New"/>
+              </a:defRPr>
+            </a:pPr>
+            <a:r>
+              <a:t>return (&lt;&gt;</a:t>
+            </a:r>
+          </a:p>
+          <a:p>
+            <a:pPr lvl="2" algn="l">
+              <a:defRPr sz="4200">
+                <a:solidFill>
+                  <a:schemeClr val="accent1">
+                    <a:lumOff val="16847"/>
+                  </a:schemeClr>
+                </a:solidFill>
+                <a:latin typeface="Courier New"/>
+                <a:ea typeface="Courier New"/>
+                <a:cs typeface="Courier New"/>
+                <a:sym typeface="Courier New"/>
+              </a:defRPr>
+            </a:pPr>
+            <a:r>
+              <a:rPr>
+                <a:solidFill>
+                  <a:schemeClr val="accent1"/>
+                </a:solidFill>
+              </a:rPr>
+              <a:t>&lt;Dish </a:t>
+            </a:r>
+            <a:r>
+              <a:rPr>
+                <a:solidFill>
+                  <a:schemeClr val="accent3"/>
+                </a:solidFill>
+              </a:rPr>
+              <a:t>name=“sushi”</a:t>
+            </a:r>
+            <a:r>
+              <a:t> </a:t>
+            </a:r>
+            <a:r>
+              <a:rPr>
+                <a:solidFill>
+                  <a:schemeClr val="accent1"/>
+                </a:solidFill>
+              </a:rPr>
+              <a:t>/&gt;</a:t>
+            </a:r>
+            <a:endParaRPr>
+              <a:solidFill>
+                <a:schemeClr val="accent1"/>
+              </a:solidFill>
+            </a:endParaRPr>
+          </a:p>
+          <a:p>
+            <a:pPr lvl="2" algn="l">
+              <a:defRPr sz="4200">
+                <a:solidFill>
+                  <a:schemeClr val="accent1">
+                    <a:lumOff val="16847"/>
+                  </a:schemeClr>
+                </a:solidFill>
+                <a:latin typeface="Courier New"/>
+                <a:ea typeface="Courier New"/>
+                <a:cs typeface="Courier New"/>
+                <a:sym typeface="Courier New"/>
+              </a:defRPr>
+            </a:pPr>
+            <a:r>
+              <a:rPr>
+                <a:solidFill>
+                  <a:schemeClr val="accent1"/>
+                </a:solidFill>
+              </a:rPr>
+              <a:t>&lt;Dish </a:t>
+            </a:r>
+            <a:r>
+              <a:rPr>
+                <a:solidFill>
+                  <a:schemeClr val="accent3"/>
+                </a:solidFill>
+              </a:rPr>
+              <a:t>name={</a:t>
+            </a:r>
+            <a:r>
+              <a:rPr>
+                <a:solidFill>
+                  <a:schemeClr val="accent4">
+                    <a:hueOff val="-476017"/>
+                    <a:lumOff val="-10042"/>
+                  </a:schemeClr>
+                </a:solidFill>
+              </a:rPr>
+              <a:t>dishNames[0]</a:t>
+            </a:r>
+            <a:r>
+              <a:rPr>
+                <a:solidFill>
+                  <a:schemeClr val="accent3"/>
+                </a:solidFill>
+              </a:rPr>
+              <a:t>}</a:t>
+            </a:r>
+            <a:r>
+              <a:rPr>
+                <a:solidFill>
+                  <a:schemeClr val="accent1"/>
+                </a:solidFill>
+              </a:rPr>
+              <a:t> /&gt;</a:t>
+            </a:r>
+            <a:endParaRPr>
+              <a:solidFill>
+                <a:schemeClr val="accent1"/>
+              </a:solidFill>
+            </a:endParaRPr>
+          </a:p>
+          <a:p>
+            <a:pPr lvl="1" algn="l">
+              <a:defRPr sz="4200">
+                <a:solidFill>
+                  <a:schemeClr val="accent5"/>
+                </a:solidFill>
+                <a:latin typeface="Courier New"/>
+                <a:ea typeface="Courier New"/>
+                <a:cs typeface="Courier New"/>
+                <a:sym typeface="Courier New"/>
+              </a:defRPr>
+            </a:pPr>
+            <a:r>
+              <a:t>&lt;/&gt;)</a:t>
+            </a:r>
+          </a:p>
+          <a:p>
+            <a:pPr algn="l">
+              <a:defRPr sz="4200">
+                <a:solidFill>
+                  <a:schemeClr val="accent6"/>
+                </a:solidFill>
+                <a:latin typeface="Courier New"/>
+                <a:ea typeface="Courier New"/>
+                <a:cs typeface="Courier New"/>
+                <a:sym typeface="Courier New"/>
+              </a:defRPr>
+            </a:pPr>
+            <a:r>
+              <a:t>}</a:t>
+            </a:r>
+          </a:p>
+        </p:txBody>
+      </p:sp>
+      <p:sp>
+        <p:nvSpPr>
+          <p:cNvPr id="169" name="function Dish({ name }) {…"/>
           <p:cNvSpPr txBox="1"/>
           <p:nvPr/>
         </p:nvSpPr>
@@ -4614,247 +5341,6 @@
             </a:pPr>
             <a:r>
               <a:t>)</a:t>
-            </a:r>
-          </a:p>
-          <a:p>
-            <a:pPr algn="l">
-              <a:defRPr sz="4200">
-                <a:solidFill>
-                  <a:schemeClr val="accent6"/>
-                </a:solidFill>
-                <a:latin typeface="Courier New"/>
-                <a:ea typeface="Courier New"/>
-                <a:cs typeface="Courier New"/>
-                <a:sym typeface="Courier New"/>
-              </a:defRPr>
-            </a:pPr>
-            <a:r>
-              <a:t>}</a:t>
-            </a:r>
-          </a:p>
-        </p:txBody>
-      </p:sp>
-      <p:sp>
-        <p:nvSpPr>
-          <p:cNvPr id="166" name="function Restaurant() {…"/>
-          <p:cNvSpPr txBox="1"/>
-          <p:nvPr/>
-        </p:nvSpPr>
-        <p:spPr>
-          <a:xfrm>
-            <a:off x="7896894" y="8094359"/>
-            <a:ext cx="15065483" cy="4368801"/>
-          </a:xfrm>
-          <a:prstGeom prst="rect">
-            <a:avLst/>
-          </a:prstGeom>
-          <a:ln w="12700">
-            <a:miter lim="400000"/>
-          </a:ln>
-          <a:extLst>
-            <a:ext uri="{C572A759-6A51-4108-AA02-DFA0A04FC94B}">
-              <ma14:wrappingTextBoxFlag xmlns:ma14="http://schemas.microsoft.com/office/mac/drawingml/2011/main" val="1"/>
-            </a:ext>
-          </a:extLst>
-        </p:spPr>
-        <p:txBody>
-          <a:bodyPr lIns="50800" tIns="50800" rIns="50800" bIns="50800" anchor="ctr">
-            <a:spAutoFit/>
-          </a:bodyPr>
-          <a:lstStyle/>
-          <a:p>
-            <a:pPr algn="l">
-              <a:defRPr sz="4200">
-                <a:solidFill>
-                  <a:srgbClr val="000000"/>
-                </a:solidFill>
-                <a:latin typeface="Courier New"/>
-                <a:ea typeface="Courier New"/>
-                <a:cs typeface="Courier New"/>
-                <a:sym typeface="Courier New"/>
-              </a:defRPr>
-            </a:pPr>
-            <a:r>
-              <a:rPr>
-                <a:solidFill>
-                  <a:schemeClr val="accent6"/>
-                </a:solidFill>
-              </a:rPr>
-              <a:t>function Restaurant() {</a:t>
-            </a:r>
-            <a:endParaRPr>
-              <a:solidFill>
-                <a:schemeClr val="accent6"/>
-              </a:solidFill>
-            </a:endParaRPr>
-          </a:p>
-          <a:p>
-            <a:pPr lvl="1" algn="l">
-              <a:defRPr sz="4200">
-                <a:solidFill>
-                  <a:srgbClr val="000000"/>
-                </a:solidFill>
-                <a:latin typeface="Courier New"/>
-                <a:ea typeface="Courier New"/>
-                <a:cs typeface="Courier New"/>
-                <a:sym typeface="Courier New"/>
-              </a:defRPr>
-            </a:pPr>
-            <a:r>
-              <a:rPr>
-                <a:solidFill>
-                  <a:schemeClr val="accent4">
-                    <a:hueOff val="-476017"/>
-                    <a:lumOff val="-10042"/>
-                  </a:schemeClr>
-                </a:solidFill>
-              </a:rPr>
-              <a:t>const dishNames = [“pasta”, “bread”];</a:t>
-            </a:r>
-            <a:r>
-              <a:t> </a:t>
-            </a:r>
-          </a:p>
-          <a:p>
-            <a:pPr lvl="1" algn="l">
-              <a:defRPr sz="4200">
-                <a:solidFill>
-                  <a:schemeClr val="accent5"/>
-                </a:solidFill>
-                <a:latin typeface="Courier New"/>
-                <a:ea typeface="Courier New"/>
-                <a:cs typeface="Courier New"/>
-                <a:sym typeface="Courier New"/>
-              </a:defRPr>
-            </a:pPr>
-            <a:r>
-              <a:t>return (&lt;&gt;</a:t>
-            </a:r>
-          </a:p>
-          <a:p>
-            <a:pPr lvl="2" algn="l">
-              <a:defRPr sz="4200">
-                <a:solidFill>
-                  <a:schemeClr val="accent1">
-                    <a:lumOff val="16847"/>
-                  </a:schemeClr>
-                </a:solidFill>
-                <a:latin typeface="Courier New"/>
-                <a:ea typeface="Courier New"/>
-                <a:cs typeface="Courier New"/>
-                <a:sym typeface="Courier New"/>
-              </a:defRPr>
-            </a:pPr>
-            <a:r>
-              <a:rPr>
-                <a:solidFill>
-                  <a:schemeClr val="accent1"/>
-                </a:solidFill>
-              </a:rPr>
-              <a:t>&lt;Dish </a:t>
-            </a:r>
-            <a:r>
-              <a:rPr>
-                <a:solidFill>
-                  <a:schemeClr val="accent3"/>
-                </a:solidFill>
-              </a:rPr>
-              <a:t>name=“sushi”</a:t>
-            </a:r>
-            <a:r>
-              <a:t> </a:t>
-            </a:r>
-            <a:r>
-              <a:rPr>
-                <a:solidFill>
-                  <a:schemeClr val="accent1"/>
-                </a:solidFill>
-              </a:rPr>
-              <a:t>/&gt;</a:t>
-            </a:r>
-            <a:endParaRPr>
-              <a:solidFill>
-                <a:schemeClr val="accent1"/>
-              </a:solidFill>
-            </a:endParaRPr>
-          </a:p>
-          <a:p>
-            <a:pPr lvl="2" algn="l">
-              <a:defRPr sz="4200">
-                <a:solidFill>
-                  <a:schemeClr val="accent1">
-                    <a:lumOff val="16847"/>
-                  </a:schemeClr>
-                </a:solidFill>
-                <a:latin typeface="Courier New"/>
-                <a:ea typeface="Courier New"/>
-                <a:cs typeface="Courier New"/>
-                <a:sym typeface="Courier New"/>
-              </a:defRPr>
-            </a:pPr>
-            <a:r>
-              <a:rPr>
-                <a:solidFill>
-                  <a:schemeClr val="accent1"/>
-                </a:solidFill>
-              </a:rPr>
-              <a:t>&lt;Dish </a:t>
-            </a:r>
-            <a:r>
-              <a:rPr>
-                <a:solidFill>
-                  <a:schemeClr val="accent3"/>
-                </a:solidFill>
-              </a:rPr>
-              <a:t>name={</a:t>
-            </a:r>
-            <a:r>
-              <a:rPr>
-                <a:solidFill>
-                  <a:schemeClr val="accent4">
-                    <a:hueOff val="-476017"/>
-                    <a:lumOff val="-10042"/>
-                  </a:schemeClr>
-                </a:solidFill>
-              </a:rPr>
-              <a:t>dishNames[0]</a:t>
-            </a:r>
-            <a:r>
-              <a:rPr>
-                <a:solidFill>
-                  <a:schemeClr val="accent3"/>
-                </a:solidFill>
-              </a:rPr>
-              <a:t>}</a:t>
-            </a:r>
-            <a:r>
-              <a:rPr>
-                <a:solidFill>
-                  <a:schemeClr val="accent1"/>
-                </a:solidFill>
-              </a:rPr>
-              <a:t> /&gt;</a:t>
-            </a:r>
-            <a:endParaRPr>
-              <a:solidFill>
-                <a:schemeClr val="accent1"/>
-              </a:solidFill>
-            </a:endParaRPr>
-          </a:p>
-          <a:p>
-            <a:pPr lvl="1" algn="l">
-              <a:defRPr sz="4200">
-                <a:solidFill>
-                  <a:schemeClr val="accent5"/>
-                </a:solidFill>
-                <a:latin typeface="Courier New"/>
-                <a:ea typeface="Courier New"/>
-                <a:cs typeface="Courier New"/>
-                <a:sym typeface="Courier New"/>
-              </a:defRPr>
-            </a:pPr>
-            <a:r>
-              <a:t>&lt;/&gt;)</a:t>
             </a:r>
           </a:p>
           <a:p>
@@ -4903,7 +5389,7 @@
       </p:grpSpPr>
       <p:sp>
         <p:nvSpPr>
-          <p:cNvPr id="168" name="How do we write a component?"/>
+          <p:cNvPr id="171" name="How do we write a component?"/>
           <p:cNvSpPr txBox="1"/>
           <p:nvPr>
             <p:ph type="title"/>
@@ -4927,7 +5413,7 @@
       </p:sp>
       <p:sp>
         <p:nvSpPr>
-          <p:cNvPr id="169" name="Components are just like functions: we can render them in other components, pass them props, define things inside of them, and return JSX from them."/>
+          <p:cNvPr id="172" name="Components are just like functions: we can render them in other components, pass them props, define things inside of them, and return JSX from them."/>
           <p:cNvSpPr txBox="1"/>
           <p:nvPr>
             <p:ph type="body" sz="quarter" idx="1"/>
@@ -5060,14 +5546,14 @@
       </p:sp>
       <p:sp>
         <p:nvSpPr>
-          <p:cNvPr id="170" name="function Restaurant() {…"/>
+          <p:cNvPr id="173" name="function ParentComponentName({ propNameC, propNameD, … }) {…"/>
           <p:cNvSpPr txBox="1"/>
           <p:nvPr/>
         </p:nvSpPr>
         <p:spPr>
           <a:xfrm>
-            <a:off x="7896894" y="8094359"/>
-            <a:ext cx="15065483" cy="4368801"/>
+            <a:off x="1940627" y="9187449"/>
+            <a:ext cx="19745051" cy="2540001"/>
           </a:xfrm>
           <a:prstGeom prst="rect">
             <a:avLst/>
@@ -5104,19 +5590,44 @@
                   <a:schemeClr val="accent6"/>
                 </a:solidFill>
               </a:rPr>
-              <a:t>function Restaurant() {</a:t>
-            </a:r>
-            <a:endParaRPr>
-              <a:solidFill>
-                <a:schemeClr val="accent6"/>
-              </a:solidFill>
-            </a:endParaRPr>
+              <a:t>function</a:t>
+            </a:r>
+            <a:r>
+              <a:t> </a:t>
+            </a:r>
+            <a:r>
+              <a:rPr>
+                <a:solidFill>
+                  <a:schemeClr val="accent6"/>
+                </a:solidFill>
+              </a:rPr>
+              <a:t>ParentComponentName(</a:t>
+            </a:r>
+            <a:r>
+              <a:rPr>
+                <a:solidFill>
+                  <a:schemeClr val="accent3"/>
+                </a:solidFill>
+              </a:rPr>
+              <a:t>{ propNameC, propNameD, … }</a:t>
+            </a:r>
+            <a:r>
+              <a:rPr>
+                <a:solidFill>
+                  <a:schemeClr val="accent6"/>
+                </a:solidFill>
+              </a:rPr>
+              <a:t>) {</a:t>
+            </a:r>
           </a:p>
           <a:p>
             <a:pPr lvl="1" algn="l">
               <a:defRPr sz="4200">
                 <a:solidFill>
-                  <a:srgbClr val="000000"/>
+                  <a:schemeClr val="accent4">
+                    <a:hueOff val="-476017"/>
+                    <a:lumOff val="-10042"/>
+                  </a:schemeClr>
                 </a:solidFill>
                 <a:latin typeface="Courier New"/>
                 <a:ea typeface="Courier New"/>
@@ -5125,18 +5636,7 @@
               </a:defRPr>
             </a:pPr>
             <a:r>
-              <a:rPr>
-                <a:solidFill>
-                  <a:schemeClr val="accent4">
-                    <a:hueOff val="-476017"/>
-                    <a:lumOff val="-10042"/>
-                  </a:schemeClr>
-                </a:solidFill>
-              </a:rPr>
-              <a:t>const dishNames = [“pasta”, “bread”];</a:t>
-            </a:r>
-            <a:r>
-              <a:t> </a:t>
+              <a:t>/* …things… */</a:t>
             </a:r>
           </a:p>
           <a:p>
@@ -5152,16 +5652,52 @@
               </a:defRPr>
             </a:pPr>
             <a:r>
-              <a:t>return (&lt;&gt;</a:t>
-            </a:r>
-          </a:p>
-          <a:p>
-            <a:pPr lvl="2" algn="l">
+              <a:t>return (</a:t>
+            </a:r>
+            <a:r>
+              <a:rPr>
+                <a:solidFill>
+                  <a:schemeClr val="accent1"/>
+                </a:solidFill>
+              </a:rPr>
+              <a:t>&lt;ChildComponentName</a:t>
+            </a:r>
+            <a:r>
+              <a:t> </a:t>
+            </a:r>
+            <a:r>
+              <a:rPr b="1">
+                <a:solidFill>
+                  <a:schemeClr val="accent3"/>
+                </a:solidFill>
+              </a:rPr>
+              <a:t>propNameA</a:t>
+            </a:r>
+            <a:r>
+              <a:rPr>
+                <a:solidFill>
+                  <a:schemeClr val="accent3"/>
+                </a:solidFill>
+              </a:rPr>
+              <a:t>={propValueA}</a:t>
+            </a:r>
+            <a:r>
+              <a:rPr>
+                <a:solidFill>
+                  <a:schemeClr val="accent1"/>
+                </a:solidFill>
+              </a:rPr>
+              <a:t> /&gt;</a:t>
+            </a:r>
+            <a:r>
+              <a:t>)</a:t>
+            </a:r>
+          </a:p>
+          <a:p>
+            <a:pPr algn="l">
               <a:defRPr sz="4200">
                 <a:solidFill>
-                  <a:schemeClr val="accent1">
-                    <a:lumOff val="16847"/>
-                  </a:schemeClr>
+                  <a:schemeClr val="accent6"/>
                 </a:solidFill>
                 <a:latin typeface="Courier New"/>
                 <a:ea typeface="Courier New"/>
@@ -5170,130 +5706,6 @@
               </a:defRPr>
             </a:pPr>
             <a:r>
-              <a:rPr>
-                <a:solidFill>
-                  <a:schemeClr val="accent1"/>
-                </a:solidFill>
-              </a:rPr>
-              <a:t>&lt;Dish </a:t>
-            </a:r>
-            <a:r>
-              <a:rPr>
-                <a:solidFill>
-                  <a:schemeClr val="accent3"/>
-                </a:solidFill>
-              </a:rPr>
-              <a:t>name=“sushi”</a:t>
-            </a:r>
-            <a:r>
-              <a:t> </a:t>
-            </a:r>
-            <a:r>
-              <a:rPr>
-                <a:solidFill>
-                  <a:schemeClr val="accent1"/>
-                </a:solidFill>
-              </a:rPr>
-              <a:t>/&gt;</a:t>
-            </a:r>
-            <a:endParaRPr>
-              <a:solidFill>
-                <a:schemeClr val="accent1"/>
-              </a:solidFill>
-            </a:endParaRPr>
-          </a:p>
-          <a:p>
-            <a:pPr lvl="2" algn="l">
-              <a:defRPr sz="4200">
-                <a:solidFill>
-                  <a:schemeClr val="accent1">
-                    <a:lumOff val="16847"/>
-                  </a:schemeClr>
-                </a:solidFill>
-                <a:latin typeface="Courier New"/>
-                <a:ea typeface="Courier New"/>
-                <a:cs typeface="Courier New"/>
-                <a:sym typeface="Courier New"/>
-              </a:defRPr>
-            </a:pPr>
-            <a:r>
-              <a:rPr>
-                <a:solidFill>
-                  <a:schemeClr val="accent1"/>
-                </a:solidFill>
-              </a:rPr>
-              <a:t>&lt;Dish </a:t>
-            </a:r>
-            <a:r>
-              <a:rPr>
-                <a:solidFill>
-                  <a:schemeClr val="accent3"/>
-                </a:solidFill>
-              </a:rPr>
-              <a:t>name={</a:t>
-            </a:r>
-            <a:r>
-              <a:rPr>
-                <a:solidFill>
-                  <a:schemeClr val="accent4">
-                    <a:hueOff val="-476017"/>
-                    <a:lumOff val="-10042"/>
-                  </a:schemeClr>
-                </a:solidFill>
-              </a:rPr>
-              <a:t>dishNames[0]</a:t>
-            </a:r>
-            <a:r>
-              <a:rPr>
-                <a:solidFill>
-                  <a:schemeClr val="accent3"/>
-                </a:solidFill>
-              </a:rPr>
-              <a:t>}</a:t>
-            </a:r>
-            <a:r>
-              <a:rPr>
-                <a:solidFill>
-                  <a:schemeClr val="accent1"/>
-                </a:solidFill>
-              </a:rPr>
-              <a:t> /&gt;</a:t>
-            </a:r>
-            <a:endParaRPr>
-              <a:solidFill>
-                <a:schemeClr val="accent1"/>
-              </a:solidFill>
-            </a:endParaRPr>
-          </a:p>
-          <a:p>
-            <a:pPr lvl="1" algn="l">
-              <a:defRPr sz="4200">
-                <a:solidFill>
-                  <a:schemeClr val="accent5"/>
-                </a:solidFill>
-                <a:latin typeface="Courier New"/>
-                <a:ea typeface="Courier New"/>
-                <a:cs typeface="Courier New"/>
-                <a:sym typeface="Courier New"/>
-              </a:defRPr>
-            </a:pPr>
-            <a:r>
-              <a:t>&lt;/&gt;)</a:t>
-            </a:r>
-          </a:p>
-          <a:p>
-            <a:pPr algn="l">
-              <a:defRPr sz="4200">
-                <a:solidFill>
-                  <a:schemeClr val="accent6"/>
-                </a:solidFill>
-                <a:latin typeface="Courier New"/>
-                <a:ea typeface="Courier New"/>
-                <a:cs typeface="Courier New"/>
-                <a:sym typeface="Courier New"/>
-              </a:defRPr>
-            </a:pPr>
-            <a:r>
               <a:t>}</a:t>
             </a:r>
           </a:p>
@@ -5301,14 +5713,14 @@
       </p:sp>
       <p:sp>
         <p:nvSpPr>
-          <p:cNvPr id="171" name="function Dish({ name }) {…"/>
+          <p:cNvPr id="174" name="function ChildComponentName({ propNameA, propNameB }) {…"/>
           <p:cNvSpPr txBox="1"/>
           <p:nvPr/>
         </p:nvSpPr>
         <p:spPr>
           <a:xfrm>
-            <a:off x="1814717" y="5939333"/>
-            <a:ext cx="9181366" cy="3149601"/>
+            <a:off x="1940627" y="6137276"/>
+            <a:ext cx="19745051" cy="2540001"/>
           </a:xfrm>
           <a:prstGeom prst="rect">
             <a:avLst/>
@@ -5356,7 +5768,7 @@
                   <a:schemeClr val="accent6"/>
                 </a:solidFill>
               </a:rPr>
-              <a:t>Dish(</a:t>
+              <a:t>ChildComponentName(</a:t>
             </a:r>
             <a:r>
               <a:rPr>
@@ -5364,7 +5776,23 @@
                   <a:schemeClr val="accent3"/>
                 </a:solidFill>
               </a:rPr>
-              <a:t>{ name }</a:t>
+              <a:t>{ </a:t>
+            </a:r>
+            <a:r>
+              <a:rPr b="1">
+                <a:solidFill>
+                  <a:schemeClr val="accent3"/>
+                </a:solidFill>
+              </a:rPr>
+              <a:t>propNameA</a:t>
+            </a:r>
+            <a:r>
+              <a:rPr>
+                <a:solidFill>
+                  <a:schemeClr val="accent3"/>
+                </a:solidFill>
+              </a:rPr>
+              <a:t>, propNameB }</a:t>
             </a:r>
             <a:r>
               <a:rPr>
@@ -5379,7 +5807,10 @@
             <a:pPr lvl="1" algn="l">
               <a:defRPr sz="4200">
                 <a:solidFill>
-                  <a:schemeClr val="accent5"/>
+                  <a:schemeClr val="accent4">
+                    <a:hueOff val="-476017"/>
+                    <a:lumOff val="-10042"/>
+                  </a:schemeClr>
                 </a:solidFill>
                 <a:latin typeface="Courier New"/>
                 <a:ea typeface="Courier New"/>
@@ -5388,14 +5819,14 @@
               </a:defRPr>
             </a:pPr>
             <a:r>
-              <a:t>return (</a:t>
-            </a:r>
-          </a:p>
-          <a:p>
-            <a:pPr lvl="2" algn="l">
+              <a:t>/* …things… */</a:t>
+            </a:r>
+          </a:p>
+          <a:p>
+            <a:pPr lvl="1" algn="l">
               <a:defRPr sz="4200">
                 <a:solidFill>
-                  <a:srgbClr val="000000"/>
+                  <a:schemeClr val="accent5"/>
                 </a:solidFill>
                 <a:latin typeface="Courier New"/>
                 <a:ea typeface="Courier New"/>
@@ -5404,44 +5835,7 @@
               </a:defRPr>
             </a:pPr>
             <a:r>
-              <a:rPr>
-                <a:solidFill>
-                  <a:schemeClr val="accent5"/>
-                </a:solidFill>
-              </a:rPr>
-              <a:t>&lt;h1&gt;</a:t>
-            </a:r>
-            <a:r>
-              <a:rPr>
-                <a:solidFill>
-                  <a:schemeClr val="accent3"/>
-                </a:solidFill>
-              </a:rPr>
-              <a:t>{name}</a:t>
-            </a:r>
-            <a:r>
-              <a:rPr>
-                <a:solidFill>
-                  <a:schemeClr val="accent5"/>
-                </a:solidFill>
-              </a:rPr>
-              <a:t>&lt;/h1&gt;</a:t>
-            </a:r>
-          </a:p>
-          <a:p>
-            <a:pPr lvl="1" algn="l">
-              <a:defRPr sz="4200">
-                <a:solidFill>
-                  <a:schemeClr val="accent5"/>
-                </a:solidFill>
-                <a:latin typeface="Courier New"/>
-                <a:ea typeface="Courier New"/>
-                <a:cs typeface="Courier New"/>
-                <a:sym typeface="Courier New"/>
-              </a:defRPr>
-            </a:pPr>
-            <a:r>
-              <a:t>)</a:t>
+              <a:t>return (&lt;htmlTag&gt;{propNameA} | {propNameB}&lt;/htmlTag&gt;)</a:t>
             </a:r>
           </a:p>
           <a:p>
@@ -5490,10 +5884,10 @@
       </p:grpSpPr>
       <p:sp>
         <p:nvSpPr>
-          <p:cNvPr id="173" name="How do we write a component?"/>
+          <p:cNvPr id="176" name="Let’s try it 🧑💻"/>
           <p:cNvSpPr txBox="1"/>
           <p:nvPr>
-            <p:ph type="title"/>
+            <p:ph type="body" sz="half" idx="1"/>
           </p:nvPr>
         </p:nvSpPr>
         <p:spPr>
@@ -5507,452 +5901,7 @@
           <a:p>
             <a:pPr/>
             <a:r>
-              <a:t>How do we write a component?</a:t>
-            </a:r>
-          </a:p>
-        </p:txBody>
-      </p:sp>
-      <p:sp>
-        <p:nvSpPr>
-          <p:cNvPr id="174" name="Components are just like functions: we can render them in other components, pass them props, define things inside of them, and return JSX from them."/>
-          <p:cNvSpPr txBox="1"/>
-          <p:nvPr>
-            <p:ph type="body" sz="quarter" idx="1"/>
-          </p:nvPr>
-        </p:nvSpPr>
-        <p:spPr>
-          <a:xfrm>
-            <a:off x="1206500" y="2826829"/>
-            <a:ext cx="21971000" cy="2800275"/>
-          </a:xfrm>
-          <a:prstGeom prst="rect">
-            <a:avLst/>
-          </a:prstGeom>
-        </p:spPr>
-        <p:txBody>
-          <a:bodyPr/>
-          <a:lstStyle/>
-          <a:p>
-            <a:pPr marL="698500" indent="-698500">
-              <a:buSzPct val="123000"/>
-              <a:buChar char="•"/>
-            </a:pPr>
-            <a:r>
-              <a:rPr b="1">
-                <a:solidFill>
-                  <a:schemeClr val="accent6"/>
-                </a:solidFill>
-              </a:rPr>
-              <a:t>Components</a:t>
-            </a:r>
-            <a:r>
-              <a:t> </a:t>
-            </a:r>
-            <a:r>
-              <a:rPr u="sng"/>
-              <a:t>are just like functions</a:t>
-            </a:r>
-            <a:r>
-              <a:t>: </a:t>
-            </a:r>
-            <a:r>
-              <a:rPr>
-                <a:solidFill>
-                  <a:schemeClr val="accent1"/>
-                </a:solidFill>
-              </a:rPr>
-              <a:t>we can </a:t>
-            </a:r>
-            <a:r>
-              <a:rPr b="1">
-                <a:solidFill>
-                  <a:schemeClr val="accent1"/>
-                </a:solidFill>
-              </a:rPr>
-              <a:t>render</a:t>
-            </a:r>
-            <a:r>
-              <a:rPr>
-                <a:solidFill>
-                  <a:schemeClr val="accent1"/>
-                </a:solidFill>
-              </a:rPr>
-              <a:t> them in other components</a:t>
-            </a:r>
-            <a:r>
-              <a:t>, </a:t>
-            </a:r>
-            <a:r>
-              <a:rPr>
-                <a:solidFill>
-                  <a:schemeClr val="accent3"/>
-                </a:solidFill>
-              </a:rPr>
-              <a:t>pass them </a:t>
-            </a:r>
-            <a:r>
-              <a:rPr b="1">
-                <a:solidFill>
-                  <a:schemeClr val="accent3"/>
-                </a:solidFill>
-              </a:rPr>
-              <a:t>props</a:t>
-            </a:r>
-            <a:r>
-              <a:t>, </a:t>
-            </a:r>
-            <a:r>
-              <a:rPr>
-                <a:solidFill>
-                  <a:schemeClr val="accent4">
-                    <a:hueOff val="-476017"/>
-                    <a:lumOff val="-10042"/>
-                  </a:schemeClr>
-                </a:solidFill>
-              </a:rPr>
-              <a:t>define things inside of them</a:t>
-            </a:r>
-            <a:r>
-              <a:t>, and </a:t>
-            </a:r>
-            <a:r>
-              <a:rPr>
-                <a:solidFill>
-                  <a:schemeClr val="accent5"/>
-                </a:solidFill>
-              </a:rPr>
-              <a:t>return </a:t>
-            </a:r>
-            <a:r>
-              <a:rPr b="1">
-                <a:solidFill>
-                  <a:schemeClr val="accent5"/>
-                </a:solidFill>
-              </a:rPr>
-              <a:t>JSX</a:t>
-            </a:r>
-            <a:r>
-              <a:rPr>
-                <a:solidFill>
-                  <a:schemeClr val="accent5"/>
-                </a:solidFill>
-              </a:rPr>
-              <a:t> from them</a:t>
-            </a:r>
-            <a:r>
-              <a:t>.</a:t>
-            </a:r>
-          </a:p>
-        </p:txBody>
-      </p:sp>
-      <p:sp>
-        <p:nvSpPr>
-          <p:cNvPr id="175" name="function ParentComponentName({ propNameC, propNameD, … }) {…"/>
-          <p:cNvSpPr txBox="1"/>
-          <p:nvPr/>
-        </p:nvSpPr>
-        <p:spPr>
-          <a:xfrm>
-            <a:off x="1940627" y="9187448"/>
-            <a:ext cx="19745051" cy="2540001"/>
-          </a:xfrm>
-          <a:prstGeom prst="rect">
-            <a:avLst/>
-          </a:prstGeom>
-          <a:ln w="12700">
-            <a:miter lim="400000"/>
-          </a:ln>
-          <a:extLst>
-            <a:ext uri="{C572A759-6A51-4108-AA02-DFA0A04FC94B}">
-              <ma14:wrappingTextBoxFlag xmlns:ma14="http://schemas.microsoft.com/office/mac/drawingml/2011/main" val="1"/>
-            </a:ext>
-          </a:extLst>
-        </p:spPr>
-        <p:txBody>
-          <a:bodyPr lIns="50800" tIns="50800" rIns="50800" bIns="50800" anchor="ctr">
-            <a:spAutoFit/>
-          </a:bodyPr>
-          <a:lstStyle/>
-          <a:p>
-            <a:pPr algn="l">
-              <a:defRPr sz="4200">
-                <a:solidFill>
-                  <a:srgbClr val="000000"/>
-                </a:solidFill>
-                <a:latin typeface="Courier New"/>
-                <a:ea typeface="Courier New"/>
-                <a:cs typeface="Courier New"/>
-                <a:sym typeface="Courier New"/>
-              </a:defRPr>
-            </a:pPr>
-            <a:r>
-              <a:rPr>
-                <a:solidFill>
-                  <a:schemeClr val="accent6"/>
-                </a:solidFill>
-              </a:rPr>
-              <a:t>function</a:t>
-            </a:r>
-            <a:r>
-              <a:t> </a:t>
-            </a:r>
-            <a:r>
-              <a:rPr>
-                <a:solidFill>
-                  <a:schemeClr val="accent6"/>
-                </a:solidFill>
-              </a:rPr>
-              <a:t>ParentComponentName(</a:t>
-            </a:r>
-            <a:r>
-              <a:rPr>
-                <a:solidFill>
-                  <a:schemeClr val="accent3"/>
-                </a:solidFill>
-              </a:rPr>
-              <a:t>{ propNameC, propNameD, … }</a:t>
-            </a:r>
-            <a:r>
-              <a:rPr>
-                <a:solidFill>
-                  <a:schemeClr val="accent6"/>
-                </a:solidFill>
-              </a:rPr>
-              <a:t>) {</a:t>
-            </a:r>
-          </a:p>
-          <a:p>
-            <a:pPr lvl="1" algn="l">
-              <a:defRPr sz="4200">
-                <a:solidFill>
-                  <a:schemeClr val="accent4">
-                    <a:hueOff val="-476017"/>
-                    <a:lumOff val="-10042"/>
-                  </a:schemeClr>
-                </a:solidFill>
-                <a:latin typeface="Courier New"/>
-                <a:ea typeface="Courier New"/>
-                <a:cs typeface="Courier New"/>
-                <a:sym typeface="Courier New"/>
-              </a:defRPr>
-            </a:pPr>
-            <a:r>
-              <a:t>/* …things… */</a:t>
-            </a:r>
-          </a:p>
-          <a:p>
-            <a:pPr lvl="1" algn="l">
-              <a:defRPr sz="4200">
-                <a:solidFill>
-                  <a:schemeClr val="accent5"/>
-                </a:solidFill>
-                <a:latin typeface="Courier New"/>
-                <a:ea typeface="Courier New"/>
-                <a:cs typeface="Courier New"/>
-                <a:sym typeface="Courier New"/>
-              </a:defRPr>
-            </a:pPr>
-            <a:r>
-              <a:t>return (</a:t>
-            </a:r>
-            <a:r>
-              <a:rPr>
-                <a:solidFill>
-                  <a:schemeClr val="accent1"/>
-                </a:solidFill>
-              </a:rPr>
-              <a:t>&lt;ChildComponentName</a:t>
-            </a:r>
-            <a:r>
-              <a:t> </a:t>
-            </a:r>
-            <a:r>
-              <a:rPr b="1">
-                <a:solidFill>
-                  <a:schemeClr val="accent3"/>
-                </a:solidFill>
-              </a:rPr>
-              <a:t>propNameA</a:t>
-            </a:r>
-            <a:r>
-              <a:rPr>
-                <a:solidFill>
-                  <a:schemeClr val="accent3"/>
-                </a:solidFill>
-              </a:rPr>
-              <a:t>={propValueA}</a:t>
-            </a:r>
-            <a:r>
-              <a:rPr>
-                <a:solidFill>
-                  <a:schemeClr val="accent1"/>
-                </a:solidFill>
-              </a:rPr>
-              <a:t> /&gt;</a:t>
-            </a:r>
-            <a:r>
-              <a:t>)</a:t>
-            </a:r>
-          </a:p>
-          <a:p>
-            <a:pPr algn="l">
-              <a:defRPr sz="4200">
-                <a:solidFill>
-                  <a:schemeClr val="accent6"/>
-                </a:solidFill>
-                <a:latin typeface="Courier New"/>
-                <a:ea typeface="Courier New"/>
-                <a:cs typeface="Courier New"/>
-                <a:sym typeface="Courier New"/>
-              </a:defRPr>
-            </a:pPr>
-            <a:r>
-              <a:t>}</a:t>
-            </a:r>
-          </a:p>
-        </p:txBody>
-      </p:sp>
-      <p:sp>
-        <p:nvSpPr>
-          <p:cNvPr id="176" name="function ChildComponentName({ propNameA, propNameB }) {…"/>
-          <p:cNvSpPr txBox="1"/>
-          <p:nvPr/>
-        </p:nvSpPr>
-        <p:spPr>
-          <a:xfrm>
-            <a:off x="1940627" y="6137276"/>
-            <a:ext cx="19745051" cy="2540001"/>
-          </a:xfrm>
-          <a:prstGeom prst="rect">
-            <a:avLst/>
-          </a:prstGeom>
-          <a:ln w="12700">
-            <a:miter lim="400000"/>
-          </a:ln>
-          <a:extLst>
-            <a:ext uri="{C572A759-6A51-4108-AA02-DFA0A04FC94B}">
-              <ma14:wrappingTextBoxFlag xmlns:ma14="http://schemas.microsoft.com/office/mac/drawingml/2011/main" val="1"/>
-            </a:ext>
-          </a:extLst>
-        </p:spPr>
-        <p:txBody>
-          <a:bodyPr lIns="50800" tIns="50800" rIns="50800" bIns="50800" anchor="ctr">
-            <a:spAutoFit/>
-          </a:bodyPr>
-          <a:lstStyle/>
-          <a:p>
-            <a:pPr algn="l">
-              <a:defRPr sz="4200">
-                <a:solidFill>
-                  <a:srgbClr val="000000"/>
-                </a:solidFill>
-                <a:latin typeface="Courier New"/>
-                <a:ea typeface="Courier New"/>
-                <a:cs typeface="Courier New"/>
-                <a:sym typeface="Courier New"/>
-              </a:defRPr>
-            </a:pPr>
-            <a:r>
-              <a:rPr>
-                <a:solidFill>
-                  <a:schemeClr val="accent6"/>
-                </a:solidFill>
-              </a:rPr>
-              <a:t>function</a:t>
-            </a:r>
-            <a:r>
-              <a:t> </a:t>
-            </a:r>
-            <a:r>
-              <a:rPr>
-                <a:solidFill>
-                  <a:schemeClr val="accent6"/>
-                </a:solidFill>
-              </a:rPr>
-              <a:t>ChildComponentName(</a:t>
-            </a:r>
-            <a:r>
-              <a:rPr>
-                <a:solidFill>
-                  <a:schemeClr val="accent3"/>
-                </a:solidFill>
-              </a:rPr>
-              <a:t>{ </a:t>
-            </a:r>
-            <a:r>
-              <a:rPr b="1">
-                <a:solidFill>
-                  <a:schemeClr val="accent3"/>
-                </a:solidFill>
-              </a:rPr>
-              <a:t>propNameA</a:t>
-            </a:r>
-            <a:r>
-              <a:rPr>
-                <a:solidFill>
-                  <a:schemeClr val="accent3"/>
-                </a:solidFill>
-              </a:rPr>
-              <a:t>, propNameB }</a:t>
-            </a:r>
-            <a:r>
-              <a:rPr>
-                <a:solidFill>
-                  <a:schemeClr val="accent6"/>
-                </a:solidFill>
-              </a:rPr>
-              <a:t>) {</a:t>
-            </a:r>
-          </a:p>
-          <a:p>
-            <a:pPr lvl="1" algn="l">
-              <a:defRPr sz="4200">
-                <a:solidFill>
-                  <a:schemeClr val="accent4">
-                    <a:hueOff val="-476017"/>
-                    <a:lumOff val="-10042"/>
-                  </a:schemeClr>
-                </a:solidFill>
-                <a:latin typeface="Courier New"/>
-                <a:ea typeface="Courier New"/>
-                <a:cs typeface="Courier New"/>
-                <a:sym typeface="Courier New"/>
-              </a:defRPr>
-            </a:pPr>
-            <a:r>
-              <a:t>/* …things… */</a:t>
-            </a:r>
-          </a:p>
-          <a:p>
-            <a:pPr lvl="1" algn="l">
-              <a:defRPr sz="4200">
-                <a:solidFill>
-                  <a:schemeClr val="accent5"/>
-                </a:solidFill>
-                <a:latin typeface="Courier New"/>
-                <a:ea typeface="Courier New"/>
-                <a:cs typeface="Courier New"/>
-                <a:sym typeface="Courier New"/>
-              </a:defRPr>
-            </a:pPr>
-            <a:r>
-              <a:t>return (&lt;htmlTag&gt;{propNameA} | {propNameB}&lt;/htmlTag&gt;)</a:t>
-            </a:r>
-          </a:p>
-          <a:p>
-            <a:pPr algn="l">
-              <a:defRPr sz="4200">
-                <a:solidFill>
-                  <a:schemeClr val="accent6"/>
-                </a:solidFill>
-                <a:latin typeface="Courier New"/>
-                <a:ea typeface="Courier New"/>
-                <a:cs typeface="Courier New"/>
-                <a:sym typeface="Courier New"/>
-              </a:defRPr>
-            </a:pPr>
-            <a:r>
-              <a:t>}</a:t>
+              <a:t>Let’s try it 🧑‍💻</a:t>
             </a:r>
           </a:p>
         </p:txBody>
@@ -5985,7 +5934,7 @@
       </p:grpSpPr>
       <p:sp>
         <p:nvSpPr>
-          <p:cNvPr id="178" name="Let’s try it 🧑💻"/>
+          <p:cNvPr id="178" name="How do we feel about React?"/>
           <p:cNvSpPr txBox="1"/>
           <p:nvPr>
             <p:ph type="body" sz="half" idx="1"/>
@@ -6002,7 +5951,7 @@
           <a:p>
             <a:pPr/>
             <a:r>
-              <a:t>Let’s try it 🧑‍💻</a:t>
+              <a:t>How do we feel about React?</a:t>
             </a:r>
           </a:p>
         </p:txBody>
@@ -6035,7 +5984,7 @@
       </p:grpSpPr>
       <p:sp>
         <p:nvSpPr>
-          <p:cNvPr id="180" name="How do we feel about React?"/>
+          <p:cNvPr id="180" name="Thanks!"/>
           <p:cNvSpPr txBox="1"/>
           <p:nvPr>
             <p:ph type="body" sz="half" idx="1"/>
@@ -6052,7 +6001,7 @@
           <a:p>
             <a:pPr/>
             <a:r>
-              <a:t>How do we feel about React?</a:t>
+              <a:t>Thanks!</a:t>
             </a:r>
           </a:p>
         </p:txBody>

--- a/phase-2/props/slides/props.pptx
+++ b/phase-2/props/slides/props.pptx
@@ -3861,7 +3861,7 @@
       </p:grpSpPr>
       <p:sp>
         <p:nvSpPr>
-          <p:cNvPr id="151" name="Sakib Rasul | July 31, 2023"/>
+          <p:cNvPr id="151" name="Sakib Rasul | Updated July 31, 2023"/>
           <p:cNvSpPr txBox="1"/>
           <p:nvPr>
             <p:ph type="body" idx="21"/>
@@ -3887,7 +3887,7 @@
           <a:p>
             <a:pPr/>
             <a:r>
-              <a:t>Sakib Rasul | July 31, 2023</a:t>
+              <a:t>Sakib Rasul | Updated July 31, 2023</a:t>
             </a:r>
           </a:p>
         </p:txBody>
@@ -5082,10 +5082,7 @@
                   <a:schemeClr val="accent3"/>
                 </a:solidFill>
               </a:rPr>
-              <a:t>name=“sushi”</a:t>
-            </a:r>
-            <a:r>
-              <a:t> </a:t>
+              <a:t>name=“sushi” </a:t>
             </a:r>
             <a:r>
               <a:rPr>
@@ -5671,7 +5668,7 @@
                   <a:schemeClr val="accent3"/>
                 </a:solidFill>
               </a:rPr>
-              <a:t>propNameA</a:t>
+              <a:t>propNameB</a:t>
             </a:r>
             <a:r>
               <a:rPr>
@@ -5679,7 +5676,7 @@
                   <a:schemeClr val="accent3"/>
                 </a:solidFill>
               </a:rPr>
-              <a:t>={propValueA}</a:t>
+              <a:t>={propValueB}</a:t>
             </a:r>
             <a:r>
               <a:rPr>
@@ -5835,7 +5832,7 @@
               </a:defRPr>
             </a:pPr>
             <a:r>
-              <a:t>return (&lt;htmlTag&gt;{propNameA} | {propNameB}&lt;/htmlTag&gt;)</a:t>
+              <a:t>return (&lt;h1&gt;{propNameA} and {propNameB}&lt;/h1&gt;)</a:t>
             </a:r>
           </a:p>
           <a:p>
